--- a/slides/Week3.pptx
+++ b/slides/Week3.pptx
@@ -209,15 +209,6 @@
 </p:presentation>
 </file>
 
-<file path=ppt/revisionInfo.xml><?xml version="1.0" encoding="utf-8"?>
-<p1510:revInfo xmlns:a="http://schemas.openxmlformats.org/drawingml/2006/main" xmlns:r="http://schemas.openxmlformats.org/officeDocument/2006/relationships" xmlns:p1510="http://schemas.microsoft.com/office/powerpoint/2015/10/main">
-  <p1510:revLst>
-    <p1510:client id="{61919CEB-3F77-4E59-A7C9-58C9131C2CF5}" v="928" dt="2025-01-28T01:18:43.741"/>
-    <p1510:client id="{D90CD04C-1B0D-47BF-9532-AC7FEC02F04A}" v="404" dt="2025-01-27T06:00:17.209"/>
-  </p1510:revLst>
-</p1510:revInfo>
-</file>
-
 <file path=ppt/changesInfos/changesInfo1.xml><?xml version="1.0" encoding="utf-8"?>
 <pc:chgInfo xmlns:a="http://schemas.openxmlformats.org/drawingml/2006/main" xmlns:r="http://schemas.openxmlformats.org/officeDocument/2006/relationships" xmlns:ac="http://schemas.microsoft.com/office/drawing/2013/main/command" xmlns:pc="http://schemas.microsoft.com/office/powerpoint/2013/main/command">
   <pc:docChgLst>
@@ -264,22 +255,6 @@
             <ac:spMk id="4" creationId="{25B8D6B5-8320-7B9A-1516-365EC0B72F9F}"/>
           </ac:spMkLst>
         </pc:spChg>
-        <pc:spChg chg="add del mod">
-          <ac:chgData name="Zhao Jin" userId="cd05a825-544c-438a-9ba1-08e63db50b47" providerId="ADAL" clId="{D90CD04C-1B0D-47BF-9532-AC7FEC02F04A}" dt="2025-01-27T05:31:52.478" v="1310" actId="478"/>
-          <ac:spMkLst>
-            <pc:docMk/>
-            <pc:sldMk cId="681224785" sldId="531"/>
-            <ac:spMk id="5" creationId="{8689E455-080D-CCDA-3AB9-B63C24D709EB}"/>
-          </ac:spMkLst>
-        </pc:spChg>
-        <pc:spChg chg="add mod">
-          <ac:chgData name="Zhao Jin" userId="cd05a825-544c-438a-9ba1-08e63db50b47" providerId="ADAL" clId="{D90CD04C-1B0D-47BF-9532-AC7FEC02F04A}" dt="2025-01-27T05:32:15.241" v="1342" actId="1076"/>
-          <ac:spMkLst>
-            <pc:docMk/>
-            <pc:sldMk cId="681224785" sldId="531"/>
-            <ac:spMk id="6" creationId="{B7FBE949-DBDD-AE12-BFFE-39C5890D4091}"/>
-          </ac:spMkLst>
-        </pc:spChg>
         <pc:spChg chg="add mod">
           <ac:chgData name="Zhao Jin" userId="cd05a825-544c-438a-9ba1-08e63db50b47" providerId="ADAL" clId="{D90CD04C-1B0D-47BF-9532-AC7FEC02F04A}" dt="2025-01-27T05:43:02.617" v="1652" actId="207"/>
           <ac:spMkLst>
@@ -289,27 +264,11 @@
           </ac:spMkLst>
         </pc:spChg>
         <pc:spChg chg="mod">
-          <ac:chgData name="Zhao Jin" userId="cd05a825-544c-438a-9ba1-08e63db50b47" providerId="ADAL" clId="{D90CD04C-1B0D-47BF-9532-AC7FEC02F04A}" dt="2025-01-27T05:32:07.484" v="1340" actId="1035"/>
-          <ac:spMkLst>
-            <pc:docMk/>
-            <pc:sldMk cId="681224785" sldId="531"/>
-            <ac:spMk id="9" creationId="{44347658-86C5-44EA-871E-3A01CEAC57FD}"/>
-          </ac:spMkLst>
-        </pc:spChg>
-        <pc:spChg chg="mod">
           <ac:chgData name="Zhao Jin" userId="cd05a825-544c-438a-9ba1-08e63db50b47" providerId="ADAL" clId="{D90CD04C-1B0D-47BF-9532-AC7FEC02F04A}" dt="2025-01-27T05:32:32.539" v="1344" actId="6549"/>
           <ac:spMkLst>
             <pc:docMk/>
             <pc:sldMk cId="681224785" sldId="531"/>
             <ac:spMk id="10" creationId="{00000000-0000-0000-0000-000000000000}"/>
-          </ac:spMkLst>
-        </pc:spChg>
-        <pc:spChg chg="add del mod">
-          <ac:chgData name="Zhao Jin" userId="cd05a825-544c-438a-9ba1-08e63db50b47" providerId="ADAL" clId="{D90CD04C-1B0D-47BF-9532-AC7FEC02F04A}" dt="2025-01-27T05:38:21.371" v="1540" actId="478"/>
-          <ac:spMkLst>
-            <pc:docMk/>
-            <pc:sldMk cId="681224785" sldId="531"/>
-            <ac:spMk id="11" creationId="{B9E22C59-A194-9F5F-799E-734B76297238}"/>
           </ac:spMkLst>
         </pc:spChg>
         <pc:spChg chg="add mod">
@@ -328,22 +287,6 @@
             <ac:spMk id="14" creationId="{85D4AA78-1A62-4644-8547-CB4E0AF1E1B4}"/>
           </ac:spMkLst>
         </pc:spChg>
-        <pc:spChg chg="add mod">
-          <ac:chgData name="Zhao Jin" userId="cd05a825-544c-438a-9ba1-08e63db50b47" providerId="ADAL" clId="{D90CD04C-1B0D-47BF-9532-AC7FEC02F04A}" dt="2025-01-27T05:43:02.617" v="1652" actId="207"/>
-          <ac:spMkLst>
-            <pc:docMk/>
-            <pc:sldMk cId="681224785" sldId="531"/>
-            <ac:spMk id="15" creationId="{758C5BE9-5571-727D-F6F2-D294E1595D48}"/>
-          </ac:spMkLst>
-        </pc:spChg>
-        <pc:picChg chg="mod">
-          <ac:chgData name="Zhao Jin" userId="cd05a825-544c-438a-9ba1-08e63db50b47" providerId="ADAL" clId="{D90CD04C-1B0D-47BF-9532-AC7FEC02F04A}" dt="2025-01-27T05:46:57.165" v="1814" actId="1076"/>
-          <ac:picMkLst>
-            <pc:docMk/>
-            <pc:sldMk cId="681224785" sldId="531"/>
-            <ac:picMk id="12" creationId="{70C3C326-88E2-4EA0-95C1-AD96CD4E7B77}"/>
-          </ac:picMkLst>
-        </pc:picChg>
         <pc:picChg chg="mod">
           <ac:chgData name="Zhao Jin" userId="cd05a825-544c-438a-9ba1-08e63db50b47" providerId="ADAL" clId="{D90CD04C-1B0D-47BF-9532-AC7FEC02F04A}" dt="2025-01-27T05:35:23.580" v="1479" actId="1076"/>
           <ac:picMkLst>
@@ -382,110 +325,6 @@
           <pc:docMk/>
           <pc:sldMk cId="901453530" sldId="546"/>
         </pc:sldMkLst>
-        <pc:spChg chg="add del mod">
-          <ac:chgData name="Zhao Jin" userId="cd05a825-544c-438a-9ba1-08e63db50b47" providerId="ADAL" clId="{D90CD04C-1B0D-47BF-9532-AC7FEC02F04A}" dt="2025-01-27T05:55:39.841" v="2270" actId="478"/>
-          <ac:spMkLst>
-            <pc:docMk/>
-            <pc:sldMk cId="901453530" sldId="546"/>
-            <ac:spMk id="4" creationId="{ACC6F128-B929-3785-F995-28EEDA6DB884}"/>
-          </ac:spMkLst>
-        </pc:spChg>
-        <pc:spChg chg="add del mod">
-          <ac:chgData name="Zhao Jin" userId="cd05a825-544c-438a-9ba1-08e63db50b47" providerId="ADAL" clId="{D90CD04C-1B0D-47BF-9532-AC7FEC02F04A}" dt="2025-01-27T05:56:25.113" v="2272" actId="478"/>
-          <ac:spMkLst>
-            <pc:docMk/>
-            <pc:sldMk cId="901453530" sldId="546"/>
-            <ac:spMk id="5" creationId="{729F57A9-98F6-1D80-0748-E251BBC1A0C8}"/>
-          </ac:spMkLst>
-        </pc:spChg>
-        <pc:spChg chg="add mod">
-          <ac:chgData name="Zhao Jin" userId="cd05a825-544c-438a-9ba1-08e63db50b47" providerId="ADAL" clId="{D90CD04C-1B0D-47BF-9532-AC7FEC02F04A}" dt="2025-01-27T05:56:41.798" v="2273"/>
-          <ac:spMkLst>
-            <pc:docMk/>
-            <pc:sldMk cId="901453530" sldId="546"/>
-            <ac:spMk id="6" creationId="{5BE90A70-8C16-CF0D-7EB0-3874B0EDC534}"/>
-          </ac:spMkLst>
-        </pc:spChg>
-        <pc:spChg chg="add mod">
-          <ac:chgData name="Zhao Jin" userId="cd05a825-544c-438a-9ba1-08e63db50b47" providerId="ADAL" clId="{D90CD04C-1B0D-47BF-9532-AC7FEC02F04A}" dt="2025-01-27T06:00:35.427" v="2397" actId="1035"/>
-          <ac:spMkLst>
-            <pc:docMk/>
-            <pc:sldMk cId="901453530" sldId="546"/>
-            <ac:spMk id="7" creationId="{BD33A3AF-1E88-F1E9-F274-6DB9CB4C644F}"/>
-          </ac:spMkLst>
-        </pc:spChg>
-        <pc:spChg chg="mod">
-          <ac:chgData name="Zhao Jin" userId="cd05a825-544c-438a-9ba1-08e63db50b47" providerId="ADAL" clId="{D90CD04C-1B0D-47BF-9532-AC7FEC02F04A}" dt="2025-01-27T06:00:35.427" v="2397" actId="1035"/>
-          <ac:spMkLst>
-            <pc:docMk/>
-            <pc:sldMk cId="901453530" sldId="546"/>
-            <ac:spMk id="9" creationId="{00000000-0000-0000-0000-000000000000}"/>
-          </ac:spMkLst>
-        </pc:spChg>
-        <pc:spChg chg="mod">
-          <ac:chgData name="Zhao Jin" userId="cd05a825-544c-438a-9ba1-08e63db50b47" providerId="ADAL" clId="{D90CD04C-1B0D-47BF-9532-AC7FEC02F04A}" dt="2025-01-27T06:00:35.427" v="2397" actId="1035"/>
-          <ac:spMkLst>
-            <pc:docMk/>
-            <pc:sldMk cId="901453530" sldId="546"/>
-            <ac:spMk id="10" creationId="{00000000-0000-0000-0000-000000000000}"/>
-          </ac:spMkLst>
-        </pc:spChg>
-        <pc:spChg chg="mod">
-          <ac:chgData name="Zhao Jin" userId="cd05a825-544c-438a-9ba1-08e63db50b47" providerId="ADAL" clId="{D90CD04C-1B0D-47BF-9532-AC7FEC02F04A}" dt="2025-01-27T06:00:35.427" v="2397" actId="1035"/>
-          <ac:spMkLst>
-            <pc:docMk/>
-            <pc:sldMk cId="901453530" sldId="546"/>
-            <ac:spMk id="11" creationId="{D0457CA0-460D-4546-82C4-4CDEB1E2F62C}"/>
-          </ac:spMkLst>
-        </pc:spChg>
-        <pc:spChg chg="add mod">
-          <ac:chgData name="Zhao Jin" userId="cd05a825-544c-438a-9ba1-08e63db50b47" providerId="ADAL" clId="{D90CD04C-1B0D-47BF-9532-AC7FEC02F04A}" dt="2025-01-27T06:00:35.427" v="2397" actId="1035"/>
-          <ac:spMkLst>
-            <pc:docMk/>
-            <pc:sldMk cId="901453530" sldId="546"/>
-            <ac:spMk id="12" creationId="{F5C75471-7990-A661-6F07-5428C12CF005}"/>
-          </ac:spMkLst>
-        </pc:spChg>
-        <pc:spChg chg="add mod">
-          <ac:chgData name="Zhao Jin" userId="cd05a825-544c-438a-9ba1-08e63db50b47" providerId="ADAL" clId="{D90CD04C-1B0D-47BF-9532-AC7FEC02F04A}" dt="2025-01-27T06:00:35.427" v="2397" actId="1035"/>
-          <ac:spMkLst>
-            <pc:docMk/>
-            <pc:sldMk cId="901453530" sldId="546"/>
-            <ac:spMk id="13" creationId="{105542C7-B434-DB64-7BEF-5ACFBD4F7C5D}"/>
-          </ac:spMkLst>
-        </pc:spChg>
-        <pc:spChg chg="mod">
-          <ac:chgData name="Zhao Jin" userId="cd05a825-544c-438a-9ba1-08e63db50b47" providerId="ADAL" clId="{D90CD04C-1B0D-47BF-9532-AC7FEC02F04A}" dt="2025-01-27T06:00:35.427" v="2397" actId="1035"/>
-          <ac:spMkLst>
-            <pc:docMk/>
-            <pc:sldMk cId="901453530" sldId="546"/>
-            <ac:spMk id="14" creationId="{00000000-0000-0000-0000-000000000000}"/>
-          </ac:spMkLst>
-        </pc:spChg>
-        <pc:spChg chg="mod">
-          <ac:chgData name="Zhao Jin" userId="cd05a825-544c-438a-9ba1-08e63db50b47" providerId="ADAL" clId="{D90CD04C-1B0D-47BF-9532-AC7FEC02F04A}" dt="2025-01-27T06:00:35.427" v="2397" actId="1035"/>
-          <ac:spMkLst>
-            <pc:docMk/>
-            <pc:sldMk cId="901453530" sldId="546"/>
-            <ac:spMk id="15" creationId="{7EB43FB0-D261-4751-8823-0A4CC64F83DB}"/>
-          </ac:spMkLst>
-        </pc:spChg>
-        <pc:spChg chg="mod">
-          <ac:chgData name="Zhao Jin" userId="cd05a825-544c-438a-9ba1-08e63db50b47" providerId="ADAL" clId="{D90CD04C-1B0D-47BF-9532-AC7FEC02F04A}" dt="2025-01-27T06:00:35.427" v="2397" actId="1035"/>
-          <ac:spMkLst>
-            <pc:docMk/>
-            <pc:sldMk cId="901453530" sldId="546"/>
-            <ac:spMk id="17" creationId="{196941FF-7411-441D-AE2E-5CF96E80B024}"/>
-          </ac:spMkLst>
-        </pc:spChg>
-        <pc:spChg chg="mod">
-          <ac:chgData name="Zhao Jin" userId="cd05a825-544c-438a-9ba1-08e63db50b47" providerId="ADAL" clId="{D90CD04C-1B0D-47BF-9532-AC7FEC02F04A}" dt="2025-01-27T06:00:35.427" v="2397" actId="1035"/>
-          <ac:spMkLst>
-            <pc:docMk/>
-            <pc:sldMk cId="901453530" sldId="546"/>
-            <ac:spMk id="18" creationId="{FC6CF3F5-B435-44FE-A32E-F676476A0C6D}"/>
-          </ac:spMkLst>
-        </pc:spChg>
       </pc:sldChg>
       <pc:sldChg chg="modSp mod">
         <pc:chgData name="Zhao Jin" userId="cd05a825-544c-438a-9ba1-08e63db50b47" providerId="ADAL" clId="{D90CD04C-1B0D-47BF-9532-AC7FEC02F04A}" dt="2025-01-27T05:53:49.288" v="2230" actId="6549"/>
@@ -531,14 +370,6 @@
             <ac:spMk id="2" creationId="{D9820829-3332-E1CB-95E4-4F2BD639DBB9}"/>
           </ac:spMkLst>
         </pc:spChg>
-        <pc:spChg chg="add del mod">
-          <ac:chgData name="Zhao Jin" userId="cd05a825-544c-438a-9ba1-08e63db50b47" providerId="ADAL" clId="{D90CD04C-1B0D-47BF-9532-AC7FEC02F04A}" dt="2025-01-27T05:42:24.385" v="1651" actId="478"/>
-          <ac:spMkLst>
-            <pc:docMk/>
-            <pc:sldMk cId="3764235702" sldId="552"/>
-            <ac:spMk id="5" creationId="{4B63287C-B454-1CBE-6B00-FEECC86904B2}"/>
-          </ac:spMkLst>
-        </pc:spChg>
         <pc:spChg chg="mod">
           <ac:chgData name="Zhao Jin" userId="cd05a825-544c-438a-9ba1-08e63db50b47" providerId="ADAL" clId="{D90CD04C-1B0D-47BF-9532-AC7FEC02F04A}" dt="2025-01-27T05:42:21.448" v="1650" actId="207"/>
           <ac:spMkLst>
@@ -554,38 +385,6 @@
           <pc:docMk/>
           <pc:sldMk cId="1452079182" sldId="553"/>
         </pc:sldMkLst>
-        <pc:spChg chg="mod">
-          <ac:chgData name="Zhao Jin" userId="cd05a825-544c-438a-9ba1-08e63db50b47" providerId="ADAL" clId="{D90CD04C-1B0D-47BF-9532-AC7FEC02F04A}" dt="2025-01-27T05:33:01.118" v="1473" actId="1035"/>
-          <ac:spMkLst>
-            <pc:docMk/>
-            <pc:sldMk cId="1452079182" sldId="553"/>
-            <ac:spMk id="2" creationId="{253774C5-DF3C-68F0-1CBB-06760AFA1D25}"/>
-          </ac:spMkLst>
-        </pc:spChg>
-        <pc:spChg chg="mod">
-          <ac:chgData name="Zhao Jin" userId="cd05a825-544c-438a-9ba1-08e63db50b47" providerId="ADAL" clId="{D90CD04C-1B0D-47BF-9532-AC7FEC02F04A}" dt="2025-01-27T05:33:01.118" v="1473" actId="1035"/>
-          <ac:spMkLst>
-            <pc:docMk/>
-            <pc:sldMk cId="1452079182" sldId="553"/>
-            <ac:spMk id="3" creationId="{94D6E48D-91C7-1A23-0D24-21292F4350F6}"/>
-          </ac:spMkLst>
-        </pc:spChg>
-        <pc:spChg chg="mod">
-          <ac:chgData name="Zhao Jin" userId="cd05a825-544c-438a-9ba1-08e63db50b47" providerId="ADAL" clId="{D90CD04C-1B0D-47BF-9532-AC7FEC02F04A}" dt="2025-01-27T05:33:01.118" v="1473" actId="1035"/>
-          <ac:spMkLst>
-            <pc:docMk/>
-            <pc:sldMk cId="1452079182" sldId="553"/>
-            <ac:spMk id="4" creationId="{DB345D2B-71AB-609A-2F89-3A2A418CCE9E}"/>
-          </ac:spMkLst>
-        </pc:spChg>
-        <pc:spChg chg="mod">
-          <ac:chgData name="Zhao Jin" userId="cd05a825-544c-438a-9ba1-08e63db50b47" providerId="ADAL" clId="{D90CD04C-1B0D-47BF-9532-AC7FEC02F04A}" dt="2025-01-27T05:33:01.118" v="1473" actId="1035"/>
-          <ac:spMkLst>
-            <pc:docMk/>
-            <pc:sldMk cId="1452079182" sldId="553"/>
-            <ac:spMk id="5" creationId="{00E6626E-E00B-B28D-EAD1-15B42E2C0928}"/>
-          </ac:spMkLst>
-        </pc:spChg>
         <pc:spChg chg="mod">
           <ac:chgData name="Zhao Jin" userId="cd05a825-544c-438a-9ba1-08e63db50b47" providerId="ADAL" clId="{D90CD04C-1B0D-47BF-9532-AC7FEC02F04A}" dt="2025-01-27T05:50:13.147" v="2006" actId="20577"/>
           <ac:spMkLst>
@@ -625,22 +424,6 @@
             <ac:spMk id="6" creationId="{D961922F-99CE-DEC6-78DA-A66C02C7529E}"/>
           </ac:spMkLst>
         </pc:spChg>
-        <pc:spChg chg="add mod">
-          <ac:chgData name="Zhao Jin" userId="cd05a825-544c-438a-9ba1-08e63db50b47" providerId="ADAL" clId="{D90CD04C-1B0D-47BF-9532-AC7FEC02F04A}" dt="2025-01-27T05:11:07.256" v="268"/>
-          <ac:spMkLst>
-            <pc:docMk/>
-            <pc:sldMk cId="4067780456" sldId="558"/>
-            <ac:spMk id="7" creationId="{67100324-46E0-0795-C6B7-EA3B6D2ED298}"/>
-          </ac:spMkLst>
-        </pc:spChg>
-        <pc:spChg chg="add del mod">
-          <ac:chgData name="Zhao Jin" userId="cd05a825-544c-438a-9ba1-08e63db50b47" providerId="ADAL" clId="{D90CD04C-1B0D-47BF-9532-AC7FEC02F04A}" dt="2025-01-27T05:11:45.803" v="282" actId="478"/>
-          <ac:spMkLst>
-            <pc:docMk/>
-            <pc:sldMk cId="4067780456" sldId="558"/>
-            <ac:spMk id="8" creationId="{C71E2B5C-FE47-C603-34B6-8CFBDFE87531}"/>
-          </ac:spMkLst>
-        </pc:spChg>
         <pc:spChg chg="add del mod">
           <ac:chgData name="Zhao Jin" userId="cd05a825-544c-438a-9ba1-08e63db50b47" providerId="ADAL" clId="{D90CD04C-1B0D-47BF-9532-AC7FEC02F04A}" dt="2025-01-27T05:13:34.081" v="371" actId="21"/>
           <ac:spMkLst>
@@ -665,27 +448,11 @@
           <pc:sldMk cId="1311126165" sldId="566"/>
         </pc:sldMkLst>
         <pc:spChg chg="add mod">
-          <ac:chgData name="Zhao Jin" userId="cd05a825-544c-438a-9ba1-08e63db50b47" providerId="ADAL" clId="{D90CD04C-1B0D-47BF-9532-AC7FEC02F04A}" dt="2025-01-27T05:15:57.878" v="452" actId="20577"/>
-          <ac:spMkLst>
-            <pc:docMk/>
-            <pc:sldMk cId="1311126165" sldId="566"/>
-            <ac:spMk id="5" creationId="{DF470EAE-B7A8-E52B-288E-28769B116377}"/>
-          </ac:spMkLst>
-        </pc:spChg>
-        <pc:spChg chg="add mod">
           <ac:chgData name="Zhao Jin" userId="cd05a825-544c-438a-9ba1-08e63db50b47" providerId="ADAL" clId="{D90CD04C-1B0D-47BF-9532-AC7FEC02F04A}" dt="2025-01-27T05:17:04.904" v="567" actId="1038"/>
           <ac:spMkLst>
             <pc:docMk/>
             <pc:sldMk cId="1311126165" sldId="566"/>
             <ac:spMk id="6" creationId="{1FF2E942-A5DB-38D5-B40D-97490EC324D2}"/>
-          </ac:spMkLst>
-        </pc:spChg>
-        <pc:spChg chg="mod">
-          <ac:chgData name="Zhao Jin" userId="cd05a825-544c-438a-9ba1-08e63db50b47" providerId="ADAL" clId="{D90CD04C-1B0D-47BF-9532-AC7FEC02F04A}" dt="2025-01-27T05:16:20.363" v="538" actId="1037"/>
-          <ac:spMkLst>
-            <pc:docMk/>
-            <pc:sldMk cId="1311126165" sldId="566"/>
-            <ac:spMk id="16" creationId="{00000000-0000-0000-0000-000000000000}"/>
           </ac:spMkLst>
         </pc:spChg>
         <pc:spChg chg="mod">
@@ -717,14 +484,6 @@
             <pc:docMk/>
             <pc:sldMk cId="2072030558" sldId="568"/>
             <ac:spMk id="4" creationId="{4D013CD7-7797-7724-BED7-098F9A575DC9}"/>
-          </ac:spMkLst>
-        </pc:spChg>
-        <pc:spChg chg="add mod">
-          <ac:chgData name="Zhao Jin" userId="cd05a825-544c-438a-9ba1-08e63db50b47" providerId="ADAL" clId="{D90CD04C-1B0D-47BF-9532-AC7FEC02F04A}" dt="2025-01-27T05:23:41.397" v="959"/>
-          <ac:spMkLst>
-            <pc:docMk/>
-            <pc:sldMk cId="2072030558" sldId="568"/>
-            <ac:spMk id="5" creationId="{45B63034-9CAD-A46A-B50B-36B6C62C39F9}"/>
           </ac:spMkLst>
         </pc:spChg>
         <pc:spChg chg="add mod">
@@ -805,14 +564,6 @@
           <pc:docMk/>
           <pc:sldMk cId="2848702153" sldId="571"/>
         </pc:sldMkLst>
-        <pc:spChg chg="add mod">
-          <ac:chgData name="Zhao Jin" userId="cd05a825-544c-438a-9ba1-08e63db50b47" providerId="ADAL" clId="{D90CD04C-1B0D-47BF-9532-AC7FEC02F04A}" dt="2025-01-27T05:13:28.517" v="368"/>
-          <ac:spMkLst>
-            <pc:docMk/>
-            <pc:sldMk cId="2848702153" sldId="571"/>
-            <ac:spMk id="4" creationId="{DD9FF35E-3098-9A86-14E0-98D84C2A5A7C}"/>
-          </ac:spMkLst>
-        </pc:spChg>
         <pc:spChg chg="add mod">
           <ac:chgData name="Zhao Jin" userId="cd05a825-544c-438a-9ba1-08e63db50b47" providerId="ADAL" clId="{D90CD04C-1B0D-47BF-9532-AC7FEC02F04A}" dt="2025-01-27T05:14:02.701" v="432" actId="20577"/>
           <ac:spMkLst>
@@ -914,46 +665,6 @@
           <pc:docMk/>
           <pc:sldMk cId="4189020296" sldId="574"/>
         </pc:sldMkLst>
-        <pc:spChg chg="mod">
-          <ac:chgData name="Zhao Jin" userId="cd05a825-544c-438a-9ba1-08e63db50b47" providerId="ADAL" clId="{D90CD04C-1B0D-47BF-9532-AC7FEC02F04A}" dt="2025-01-27T05:50:06.699" v="2005" actId="207"/>
-          <ac:spMkLst>
-            <pc:docMk/>
-            <pc:sldMk cId="4189020296" sldId="574"/>
-            <ac:spMk id="10" creationId="{E0D65306-D36A-A7B5-F700-2BEF89717AA4}"/>
-          </ac:spMkLst>
-        </pc:spChg>
-        <pc:spChg chg="mod">
-          <ac:chgData name="Zhao Jin" userId="cd05a825-544c-438a-9ba1-08e63db50b47" providerId="ADAL" clId="{D90CD04C-1B0D-47BF-9532-AC7FEC02F04A}" dt="2025-01-27T05:50:27.188" v="2007"/>
-          <ac:spMkLst>
-            <pc:docMk/>
-            <pc:sldMk cId="4189020296" sldId="574"/>
-            <ac:spMk id="13" creationId="{20C18EA5-0C75-E25B-EC6E-A64D8791614F}"/>
-          </ac:spMkLst>
-        </pc:spChg>
-        <pc:spChg chg="mod">
-          <ac:chgData name="Zhao Jin" userId="cd05a825-544c-438a-9ba1-08e63db50b47" providerId="ADAL" clId="{D90CD04C-1B0D-47BF-9532-AC7FEC02F04A}" dt="2025-01-27T05:49:24.432" v="1882"/>
-          <ac:spMkLst>
-            <pc:docMk/>
-            <pc:sldMk cId="4189020296" sldId="574"/>
-            <ac:spMk id="24578" creationId="{30982DAB-B45A-0A12-C77D-E27CAD66D5EB}"/>
-          </ac:spMkLst>
-        </pc:spChg>
-      </pc:sldChg>
-    </pc:docChg>
-  </pc:docChgLst>
-  <pc:docChgLst>
-    <pc:chgData name="Zhao Jin" userId="S::dcszjin@nus.edu.sg::cd05a825-544c-438a-9ba1-08e63db50b47" providerId="AD" clId="Web-{66D5AB6E-AF24-491D-9529-2DDB49AD3149}"/>
-    <pc:docChg chg="modSld">
-      <pc:chgData name="Zhao Jin" userId="S::dcszjin@nus.edu.sg::cd05a825-544c-438a-9ba1-08e63db50b47" providerId="AD" clId="Web-{66D5AB6E-AF24-491D-9529-2DDB49AD3149}" dt="2021-01-20T08:43:03.224" v="8" actId="14100"/>
-      <pc:docMkLst>
-        <pc:docMk/>
-      </pc:docMkLst>
-      <pc:sldChg chg="modSp">
-        <pc:chgData name="Zhao Jin" userId="S::dcszjin@nus.edu.sg::cd05a825-544c-438a-9ba1-08e63db50b47" providerId="AD" clId="Web-{66D5AB6E-AF24-491D-9529-2DDB49AD3149}" dt="2021-01-20T08:43:03.224" v="8" actId="14100"/>
-        <pc:sldMkLst>
-          <pc:docMk/>
-          <pc:sldMk cId="901453530" sldId="546"/>
-        </pc:sldMkLst>
       </pc:sldChg>
     </pc:docChg>
   </pc:docChgLst>
@@ -1046,6 +757,22 @@
         <pc:sldMkLst>
           <pc:docMk/>
           <pc:sldMk cId="1452079182" sldId="553"/>
+        </pc:sldMkLst>
+      </pc:sldChg>
+    </pc:docChg>
+  </pc:docChgLst>
+  <pc:docChgLst>
+    <pc:chgData name="Zhao Jin" userId="S::dcszjin@nus.edu.sg::cd05a825-544c-438a-9ba1-08e63db50b47" providerId="AD" clId="Web-{66D5AB6E-AF24-491D-9529-2DDB49AD3149}"/>
+    <pc:docChg chg="modSld">
+      <pc:chgData name="Zhao Jin" userId="S::dcszjin@nus.edu.sg::cd05a825-544c-438a-9ba1-08e63db50b47" providerId="AD" clId="Web-{66D5AB6E-AF24-491D-9529-2DDB49AD3149}" dt="2021-01-20T08:43:03.224" v="8" actId="14100"/>
+      <pc:docMkLst>
+        <pc:docMk/>
+      </pc:docMkLst>
+      <pc:sldChg chg="modSp">
+        <pc:chgData name="Zhao Jin" userId="S::dcszjin@nus.edu.sg::cd05a825-544c-438a-9ba1-08e63db50b47" providerId="AD" clId="Web-{66D5AB6E-AF24-491D-9529-2DDB49AD3149}" dt="2021-01-20T08:43:03.224" v="8" actId="14100"/>
+        <pc:sldMkLst>
+          <pc:docMk/>
+          <pc:sldMk cId="901453530" sldId="546"/>
         </pc:sldMkLst>
       </pc:sldChg>
     </pc:docChg>
@@ -1289,6 +1016,30 @@
           <pc:docMk/>
           <pc:sldMk cId="2851665547" sldId="538"/>
         </pc:sldMkLst>
+      </pc:sldChg>
+    </pc:docChg>
+  </pc:docChgLst>
+  <pc:docChgLst>
+    <pc:chgData name="Zhao Jin" userId="cd05a825-544c-438a-9ba1-08e63db50b47" providerId="ADAL" clId="{B7967684-5C68-4EB2-BACB-1689F807BCA4}"/>
+    <pc:docChg chg="modSld">
+      <pc:chgData name="Zhao Jin" userId="cd05a825-544c-438a-9ba1-08e63db50b47" providerId="ADAL" clId="{B7967684-5C68-4EB2-BACB-1689F807BCA4}" dt="2025-02-24T04:46:48.516" v="30" actId="20577"/>
+      <pc:docMkLst>
+        <pc:docMk/>
+      </pc:docMkLst>
+      <pc:sldChg chg="modSp mod">
+        <pc:chgData name="Zhao Jin" userId="cd05a825-544c-438a-9ba1-08e63db50b47" providerId="ADAL" clId="{B7967684-5C68-4EB2-BACB-1689F807BCA4}" dt="2025-02-24T04:46:48.516" v="30" actId="20577"/>
+        <pc:sldMkLst>
+          <pc:docMk/>
+          <pc:sldMk cId="1059784215" sldId="579"/>
+        </pc:sldMkLst>
+        <pc:spChg chg="mod">
+          <ac:chgData name="Zhao Jin" userId="cd05a825-544c-438a-9ba1-08e63db50b47" providerId="ADAL" clId="{B7967684-5C68-4EB2-BACB-1689F807BCA4}" dt="2025-02-24T04:46:48.516" v="30" actId="20577"/>
+          <ac:spMkLst>
+            <pc:docMk/>
+            <pc:sldMk cId="1059784215" sldId="579"/>
+            <ac:spMk id="8" creationId="{42E65DED-BA6E-7EE5-38D0-91F9E2314D1D}"/>
+          </ac:spMkLst>
+        </pc:spChg>
       </pc:sldChg>
     </pc:docChg>
   </pc:docChgLst>
@@ -2047,14 +1798,6 @@
             <ac:spMk id="12" creationId="{149FB3A4-124F-4FB3-9CA1-6EA45A21DCBC}"/>
           </ac:spMkLst>
         </pc:spChg>
-        <pc:spChg chg="add del">
-          <ac:chgData name="Zhao Jin" userId="cd05a825-544c-438a-9ba1-08e63db50b47" providerId="ADAL" clId="{61919CEB-3F77-4E59-A7C9-58C9131C2CF5}" dt="2025-01-27T08:32:21.370" v="2718" actId="478"/>
-          <ac:spMkLst>
-            <pc:docMk/>
-            <pc:sldMk cId="1419062778" sldId="485"/>
-            <ac:spMk id="13" creationId="{24ED3F77-DB19-42FF-90A5-6260114FAC12}"/>
-          </ac:spMkLst>
-        </pc:spChg>
         <pc:spChg chg="add del mod">
           <ac:chgData name="Zhao Jin" userId="cd05a825-544c-438a-9ba1-08e63db50b47" providerId="ADAL" clId="{61919CEB-3F77-4E59-A7C9-58C9131C2CF5}" dt="2025-01-27T08:39:05.648" v="2962" actId="1035"/>
           <ac:spMkLst>
@@ -2094,22 +1837,6 @@
             <ac:spMk id="4" creationId="{25B8D6B5-8320-7B9A-1516-365EC0B72F9F}"/>
           </ac:spMkLst>
         </pc:spChg>
-        <pc:spChg chg="add del mod">
-          <ac:chgData name="Zhao Jin" userId="cd05a825-544c-438a-9ba1-08e63db50b47" providerId="ADAL" clId="{61919CEB-3F77-4E59-A7C9-58C9131C2CF5}" dt="2025-01-27T08:04:33.423" v="1640" actId="478"/>
-          <ac:spMkLst>
-            <pc:docMk/>
-            <pc:sldMk cId="681224785" sldId="531"/>
-            <ac:spMk id="5" creationId="{3A3E343A-852A-A1C2-BC2C-D693055D228C}"/>
-          </ac:spMkLst>
-        </pc:spChg>
-        <pc:spChg chg="add del">
-          <ac:chgData name="Zhao Jin" userId="cd05a825-544c-438a-9ba1-08e63db50b47" providerId="ADAL" clId="{61919CEB-3F77-4E59-A7C9-58C9131C2CF5}" dt="2025-01-27T07:59:27.027" v="1490" actId="478"/>
-          <ac:spMkLst>
-            <pc:docMk/>
-            <pc:sldMk cId="681224785" sldId="531"/>
-            <ac:spMk id="6" creationId="{B7FBE949-DBDD-AE12-BFFE-39C5890D4091}"/>
-          </ac:spMkLst>
-        </pc:spChg>
         <pc:spChg chg="mod">
           <ac:chgData name="Zhao Jin" userId="cd05a825-544c-438a-9ba1-08e63db50b47" providerId="ADAL" clId="{61919CEB-3F77-4E59-A7C9-58C9131C2CF5}" dt="2025-01-27T08:04:44.566" v="1694" actId="1037"/>
           <ac:spMkLst>
@@ -2124,14 +1851,6 @@
             <pc:docMk/>
             <pc:sldMk cId="681224785" sldId="531"/>
             <ac:spMk id="8" creationId="{28132129-8005-4001-8A22-A53D9CDE0963}"/>
-          </ac:spMkLst>
-        </pc:spChg>
-        <pc:spChg chg="add del">
-          <ac:chgData name="Zhao Jin" userId="cd05a825-544c-438a-9ba1-08e63db50b47" providerId="ADAL" clId="{61919CEB-3F77-4E59-A7C9-58C9131C2CF5}" dt="2025-01-27T07:59:27.027" v="1490" actId="478"/>
-          <ac:spMkLst>
-            <pc:docMk/>
-            <pc:sldMk cId="681224785" sldId="531"/>
-            <ac:spMk id="9" creationId="{44347658-86C5-44EA-871E-3A01CEAC57FD}"/>
           </ac:spMkLst>
         </pc:spChg>
         <pc:spChg chg="mod">
@@ -2158,46 +1877,6 @@
             <ac:spMk id="14" creationId="{85D4AA78-1A62-4644-8547-CB4E0AF1E1B4}"/>
           </ac:spMkLst>
         </pc:spChg>
-        <pc:spChg chg="add del">
-          <ac:chgData name="Zhao Jin" userId="cd05a825-544c-438a-9ba1-08e63db50b47" providerId="ADAL" clId="{61919CEB-3F77-4E59-A7C9-58C9131C2CF5}" dt="2025-01-27T07:59:27.027" v="1490" actId="478"/>
-          <ac:spMkLst>
-            <pc:docMk/>
-            <pc:sldMk cId="681224785" sldId="531"/>
-            <ac:spMk id="15" creationId="{758C5BE9-5571-727D-F6F2-D294E1595D48}"/>
-          </ac:spMkLst>
-        </pc:spChg>
-        <pc:spChg chg="add del mod">
-          <ac:chgData name="Zhao Jin" userId="cd05a825-544c-438a-9ba1-08e63db50b47" providerId="ADAL" clId="{61919CEB-3F77-4E59-A7C9-58C9131C2CF5}" dt="2025-01-27T08:04:33.423" v="1640" actId="478"/>
-          <ac:spMkLst>
-            <pc:docMk/>
-            <pc:sldMk cId="681224785" sldId="531"/>
-            <ac:spMk id="18" creationId="{6622DE98-C21D-0718-B58B-5A118FEFDFF4}"/>
-          </ac:spMkLst>
-        </pc:spChg>
-        <pc:spChg chg="add del mod">
-          <ac:chgData name="Zhao Jin" userId="cd05a825-544c-438a-9ba1-08e63db50b47" providerId="ADAL" clId="{61919CEB-3F77-4E59-A7C9-58C9131C2CF5}" dt="2025-01-27T08:04:33.423" v="1640" actId="478"/>
-          <ac:spMkLst>
-            <pc:docMk/>
-            <pc:sldMk cId="681224785" sldId="531"/>
-            <ac:spMk id="19" creationId="{42E667F5-91FB-0254-70E2-E66E2D345015}"/>
-          </ac:spMkLst>
-        </pc:spChg>
-        <pc:picChg chg="add del mod">
-          <ac:chgData name="Zhao Jin" userId="cd05a825-544c-438a-9ba1-08e63db50b47" providerId="ADAL" clId="{61919CEB-3F77-4E59-A7C9-58C9131C2CF5}" dt="2025-01-27T08:04:33.423" v="1640" actId="478"/>
-          <ac:picMkLst>
-            <pc:docMk/>
-            <pc:sldMk cId="681224785" sldId="531"/>
-            <ac:picMk id="11" creationId="{161A46B1-1CC2-FE99-1823-16CF85C53435}"/>
-          </ac:picMkLst>
-        </pc:picChg>
-        <pc:picChg chg="add del">
-          <ac:chgData name="Zhao Jin" userId="cd05a825-544c-438a-9ba1-08e63db50b47" providerId="ADAL" clId="{61919CEB-3F77-4E59-A7C9-58C9131C2CF5}" dt="2025-01-27T07:59:27.027" v="1490" actId="478"/>
-          <ac:picMkLst>
-            <pc:docMk/>
-            <pc:sldMk cId="681224785" sldId="531"/>
-            <ac:picMk id="12" creationId="{70C3C326-88E2-4EA0-95C1-AD96CD4E7B77}"/>
-          </ac:picMkLst>
-        </pc:picChg>
         <pc:picChg chg="add del mod">
           <ac:chgData name="Zhao Jin" userId="cd05a825-544c-438a-9ba1-08e63db50b47" providerId="ADAL" clId="{61919CEB-3F77-4E59-A7C9-58C9131C2CF5}" dt="2025-01-27T08:05:47.955" v="1699" actId="478"/>
           <ac:picMkLst>
@@ -2328,14 +2007,6 @@
             <ac:spMk id="2" creationId="{F6100EC4-5A16-2295-4AC4-D8AE76DF41CA}"/>
           </ac:spMkLst>
         </pc:spChg>
-        <pc:spChg chg="del mod">
-          <ac:chgData name="Zhao Jin" userId="cd05a825-544c-438a-9ba1-08e63db50b47" providerId="ADAL" clId="{61919CEB-3F77-4E59-A7C9-58C9131C2CF5}" dt="2025-01-27T08:21:05.863" v="2519" actId="478"/>
-          <ac:spMkLst>
-            <pc:docMk/>
-            <pc:sldMk cId="1186547477" sldId="551"/>
-            <ac:spMk id="3" creationId="{8DF98EB5-8613-C5BC-DBCD-CE10698CAF83}"/>
-          </ac:spMkLst>
-        </pc:spChg>
         <pc:spChg chg="add mod">
           <ac:chgData name="Zhao Jin" userId="cd05a825-544c-438a-9ba1-08e63db50b47" providerId="ADAL" clId="{61919CEB-3F77-4E59-A7C9-58C9131C2CF5}" dt="2025-01-28T01:18:36.337" v="3670" actId="207"/>
           <ac:spMkLst>
@@ -2382,46 +2053,6 @@
           <pc:docMk/>
           <pc:sldMk cId="1452079182" sldId="553"/>
         </pc:sldMkLst>
-        <pc:spChg chg="add del mod">
-          <ac:chgData name="Zhao Jin" userId="cd05a825-544c-438a-9ba1-08e63db50b47" providerId="ADAL" clId="{61919CEB-3F77-4E59-A7C9-58C9131C2CF5}" dt="2025-01-27T07:48:19.846" v="740" actId="478"/>
-          <ac:spMkLst>
-            <pc:docMk/>
-            <pc:sldMk cId="1452079182" sldId="553"/>
-            <ac:spMk id="2" creationId="{253774C5-DF3C-68F0-1CBB-06760AFA1D25}"/>
-          </ac:spMkLst>
-        </pc:spChg>
-        <pc:spChg chg="add del mod">
-          <ac:chgData name="Zhao Jin" userId="cd05a825-544c-438a-9ba1-08e63db50b47" providerId="ADAL" clId="{61919CEB-3F77-4E59-A7C9-58C9131C2CF5}" dt="2025-01-27T07:48:19.846" v="740" actId="478"/>
-          <ac:spMkLst>
-            <pc:docMk/>
-            <pc:sldMk cId="1452079182" sldId="553"/>
-            <ac:spMk id="3" creationId="{94D6E48D-91C7-1A23-0D24-21292F4350F6}"/>
-          </ac:spMkLst>
-        </pc:spChg>
-        <pc:spChg chg="add del mod">
-          <ac:chgData name="Zhao Jin" userId="cd05a825-544c-438a-9ba1-08e63db50b47" providerId="ADAL" clId="{61919CEB-3F77-4E59-A7C9-58C9131C2CF5}" dt="2025-01-27T07:48:19.846" v="740" actId="478"/>
-          <ac:spMkLst>
-            <pc:docMk/>
-            <pc:sldMk cId="1452079182" sldId="553"/>
-            <ac:spMk id="4" creationId="{DB345D2B-71AB-609A-2F89-3A2A418CCE9E}"/>
-          </ac:spMkLst>
-        </pc:spChg>
-        <pc:spChg chg="add del mod">
-          <ac:chgData name="Zhao Jin" userId="cd05a825-544c-438a-9ba1-08e63db50b47" providerId="ADAL" clId="{61919CEB-3F77-4E59-A7C9-58C9131C2CF5}" dt="2025-01-27T07:48:19.846" v="740" actId="478"/>
-          <ac:spMkLst>
-            <pc:docMk/>
-            <pc:sldMk cId="1452079182" sldId="553"/>
-            <ac:spMk id="5" creationId="{00E6626E-E00B-B28D-EAD1-15B42E2C0928}"/>
-          </ac:spMkLst>
-        </pc:spChg>
-        <pc:spChg chg="add del mod">
-          <ac:chgData name="Zhao Jin" userId="cd05a825-544c-438a-9ba1-08e63db50b47" providerId="ADAL" clId="{61919CEB-3F77-4E59-A7C9-58C9131C2CF5}" dt="2025-01-27T07:52:31.388" v="1032" actId="478"/>
-          <ac:spMkLst>
-            <pc:docMk/>
-            <pc:sldMk cId="1452079182" sldId="553"/>
-            <ac:spMk id="6" creationId="{93E8A9F1-9844-7D52-0314-BC62C6F60C3F}"/>
-          </ac:spMkLst>
-        </pc:spChg>
         <pc:spChg chg="add mod">
           <ac:chgData name="Zhao Jin" userId="cd05a825-544c-438a-9ba1-08e63db50b47" providerId="ADAL" clId="{61919CEB-3F77-4E59-A7C9-58C9131C2CF5}" dt="2025-01-28T01:19:09.794" v="3674" actId="207"/>
           <ac:spMkLst>
@@ -2446,14 +2077,6 @@
             <ac:spMk id="11" creationId="{AD26BEE8-8AD5-D992-89AD-328DDD2D9A92}"/>
           </ac:spMkLst>
         </pc:spChg>
-        <pc:picChg chg="add del mod">
-          <ac:chgData name="Zhao Jin" userId="cd05a825-544c-438a-9ba1-08e63db50b47" providerId="ADAL" clId="{61919CEB-3F77-4E59-A7C9-58C9131C2CF5}" dt="2025-01-27T07:52:31.905" v="1033" actId="478"/>
-          <ac:picMkLst>
-            <pc:docMk/>
-            <pc:sldMk cId="1452079182" sldId="553"/>
-            <ac:picMk id="8" creationId="{7B234711-AADA-3BA6-5742-2B5D1A2EFA2E}"/>
-          </ac:picMkLst>
-        </pc:picChg>
         <pc:picChg chg="add mod">
           <ac:chgData name="Zhao Jin" userId="cd05a825-544c-438a-9ba1-08e63db50b47" providerId="ADAL" clId="{61919CEB-3F77-4E59-A7C9-58C9131C2CF5}" dt="2025-01-27T07:54:36.401" v="1176" actId="1035"/>
           <ac:picMkLst>
@@ -2507,70 +2130,6 @@
           <pc:docMk/>
           <pc:sldMk cId="1700560010" sldId="563"/>
         </pc:sldMkLst>
-        <pc:spChg chg="mod">
-          <ac:chgData name="Zhao Jin" userId="cd05a825-544c-438a-9ba1-08e63db50b47" providerId="ADAL" clId="{61919CEB-3F77-4E59-A7C9-58C9131C2CF5}" dt="2025-01-27T08:14:15.399" v="1904" actId="20577"/>
-          <ac:spMkLst>
-            <pc:docMk/>
-            <pc:sldMk cId="1700560010" sldId="563"/>
-            <ac:spMk id="10" creationId="{00000000-0000-0000-0000-000000000000}"/>
-          </ac:spMkLst>
-        </pc:spChg>
-        <pc:spChg chg="mod">
-          <ac:chgData name="Zhao Jin" userId="cd05a825-544c-438a-9ba1-08e63db50b47" providerId="ADAL" clId="{61919CEB-3F77-4E59-A7C9-58C9131C2CF5}" dt="2025-01-27T08:15:10.725" v="1911" actId="1076"/>
-          <ac:spMkLst>
-            <pc:docMk/>
-            <pc:sldMk cId="1700560010" sldId="563"/>
-            <ac:spMk id="13" creationId="{D66D1549-FCFF-422B-BD55-47E924BB5B64}"/>
-          </ac:spMkLst>
-        </pc:spChg>
-        <pc:spChg chg="del">
-          <ac:chgData name="Zhao Jin" userId="cd05a825-544c-438a-9ba1-08e63db50b47" providerId="ADAL" clId="{61919CEB-3F77-4E59-A7C9-58C9131C2CF5}" dt="2025-01-27T08:14:18.504" v="1905" actId="478"/>
-          <ac:spMkLst>
-            <pc:docMk/>
-            <pc:sldMk cId="1700560010" sldId="563"/>
-            <ac:spMk id="14" creationId="{9601D3F8-2997-4537-B236-75249BEBF43F}"/>
-          </ac:spMkLst>
-        </pc:spChg>
-        <pc:spChg chg="del">
-          <ac:chgData name="Zhao Jin" userId="cd05a825-544c-438a-9ba1-08e63db50b47" providerId="ADAL" clId="{61919CEB-3F77-4E59-A7C9-58C9131C2CF5}" dt="2025-01-27T08:14:06.700" v="1880" actId="478"/>
-          <ac:spMkLst>
-            <pc:docMk/>
-            <pc:sldMk cId="1700560010" sldId="563"/>
-            <ac:spMk id="15" creationId="{DF957538-065E-438D-BECB-E18F160805EA}"/>
-          </ac:spMkLst>
-        </pc:spChg>
-        <pc:spChg chg="del">
-          <ac:chgData name="Zhao Jin" userId="cd05a825-544c-438a-9ba1-08e63db50b47" providerId="ADAL" clId="{61919CEB-3F77-4E59-A7C9-58C9131C2CF5}" dt="2025-01-27T08:14:06.700" v="1880" actId="478"/>
-          <ac:spMkLst>
-            <pc:docMk/>
-            <pc:sldMk cId="1700560010" sldId="563"/>
-            <ac:spMk id="18" creationId="{475F9392-D4CA-4800-90C1-1131771A8383}"/>
-          </ac:spMkLst>
-        </pc:spChg>
-        <pc:spChg chg="del">
-          <ac:chgData name="Zhao Jin" userId="cd05a825-544c-438a-9ba1-08e63db50b47" providerId="ADAL" clId="{61919CEB-3F77-4E59-A7C9-58C9131C2CF5}" dt="2025-01-27T08:14:19.495" v="1906" actId="478"/>
-          <ac:spMkLst>
-            <pc:docMk/>
-            <pc:sldMk cId="1700560010" sldId="563"/>
-            <ac:spMk id="19" creationId="{5800E69E-B874-4AD7-A688-23874810C7CD}"/>
-          </ac:spMkLst>
-        </pc:spChg>
-        <pc:spChg chg="del">
-          <ac:chgData name="Zhao Jin" userId="cd05a825-544c-438a-9ba1-08e63db50b47" providerId="ADAL" clId="{61919CEB-3F77-4E59-A7C9-58C9131C2CF5}" dt="2025-01-27T08:14:06.700" v="1880" actId="478"/>
-          <ac:spMkLst>
-            <pc:docMk/>
-            <pc:sldMk cId="1700560010" sldId="563"/>
-            <ac:spMk id="20" creationId="{7733F9B5-1A9E-4831-A13D-19BF153B91EA}"/>
-          </ac:spMkLst>
-        </pc:spChg>
-        <pc:spChg chg="del">
-          <ac:chgData name="Zhao Jin" userId="cd05a825-544c-438a-9ba1-08e63db50b47" providerId="ADAL" clId="{61919CEB-3F77-4E59-A7C9-58C9131C2CF5}" dt="2025-01-27T08:14:06.700" v="1880" actId="478"/>
-          <ac:spMkLst>
-            <pc:docMk/>
-            <pc:sldMk cId="1700560010" sldId="563"/>
-            <ac:spMk id="21" creationId="{EC37B08A-F756-4E35-9909-8599241F91D3}"/>
-          </ac:spMkLst>
-        </pc:spChg>
       </pc:sldChg>
       <pc:sldChg chg="addSp delSp modSp mod addAnim delAnim modAnim">
         <pc:chgData name="Zhao Jin" userId="cd05a825-544c-438a-9ba1-08e63db50b47" providerId="ADAL" clId="{61919CEB-3F77-4E59-A7C9-58C9131C2CF5}" dt="2025-01-27T08:36:19.617" v="2844"/>
@@ -2584,14 +2143,6 @@
             <pc:docMk/>
             <pc:sldMk cId="1311126165" sldId="566"/>
             <ac:spMk id="4" creationId="{00000000-0000-0000-0000-000000000000}"/>
-          </ac:spMkLst>
-        </pc:spChg>
-        <pc:spChg chg="add del">
-          <ac:chgData name="Zhao Jin" userId="cd05a825-544c-438a-9ba1-08e63db50b47" providerId="ADAL" clId="{61919CEB-3F77-4E59-A7C9-58C9131C2CF5}" dt="2025-01-27T08:34:53.673" v="2795" actId="478"/>
-          <ac:spMkLst>
-            <pc:docMk/>
-            <pc:sldMk cId="1311126165" sldId="566"/>
-            <ac:spMk id="5" creationId="{DF470EAE-B7A8-E52B-288E-28769B116377}"/>
           </ac:spMkLst>
         </pc:spChg>
         <pc:spChg chg="mod">
@@ -2608,22 +2159,6 @@
             <pc:docMk/>
             <pc:sldMk cId="1311126165" sldId="566"/>
             <ac:spMk id="7" creationId="{00000000-0000-0000-0000-000000000000}"/>
-          </ac:spMkLst>
-        </pc:spChg>
-        <pc:spChg chg="add del">
-          <ac:chgData name="Zhao Jin" userId="cd05a825-544c-438a-9ba1-08e63db50b47" providerId="ADAL" clId="{61919CEB-3F77-4E59-A7C9-58C9131C2CF5}" dt="2025-01-27T08:34:54.582" v="2796" actId="478"/>
-          <ac:spMkLst>
-            <pc:docMk/>
-            <pc:sldMk cId="1311126165" sldId="566"/>
-            <ac:spMk id="8" creationId="{00000000-0000-0000-0000-000000000000}"/>
-          </ac:spMkLst>
-        </pc:spChg>
-        <pc:spChg chg="add del mod">
-          <ac:chgData name="Zhao Jin" userId="cd05a825-544c-438a-9ba1-08e63db50b47" providerId="ADAL" clId="{61919CEB-3F77-4E59-A7C9-58C9131C2CF5}" dt="2025-01-27T08:34:47.769" v="2793" actId="478"/>
-          <ac:spMkLst>
-            <pc:docMk/>
-            <pc:sldMk cId="1311126165" sldId="566"/>
-            <ac:spMk id="10" creationId="{EFE705B4-3AD1-3B4C-60D0-A7B1ACAC5007}"/>
           </ac:spMkLst>
         </pc:spChg>
         <pc:spChg chg="mod">
@@ -2648,14 +2183,6 @@
             <pc:docMk/>
             <pc:sldMk cId="1311126165" sldId="566"/>
             <ac:spMk id="15" creationId="{9A81C2E8-3484-F04C-8219-1AF74C1DD04A}"/>
-          </ac:spMkLst>
-        </pc:spChg>
-        <pc:spChg chg="add del">
-          <ac:chgData name="Zhao Jin" userId="cd05a825-544c-438a-9ba1-08e63db50b47" providerId="ADAL" clId="{61919CEB-3F77-4E59-A7C9-58C9131C2CF5}" dt="2025-01-27T08:34:52.453" v="2794" actId="478"/>
-          <ac:spMkLst>
-            <pc:docMk/>
-            <pc:sldMk cId="1311126165" sldId="566"/>
-            <ac:spMk id="16" creationId="{00000000-0000-0000-0000-000000000000}"/>
           </ac:spMkLst>
         </pc:spChg>
         <pc:spChg chg="mod">
@@ -2774,22 +2301,6 @@
           <pc:docMk/>
           <pc:sldMk cId="3082655292" sldId="575"/>
         </pc:sldMkLst>
-        <pc:spChg chg="add del mod">
-          <ac:chgData name="Zhao Jin" userId="cd05a825-544c-438a-9ba1-08e63db50b47" providerId="ADAL" clId="{61919CEB-3F77-4E59-A7C9-58C9131C2CF5}" dt="2025-01-27T07:23:22.139" v="4" actId="478"/>
-          <ac:spMkLst>
-            <pc:docMk/>
-            <pc:sldMk cId="3082655292" sldId="575"/>
-            <ac:spMk id="5" creationId="{AB13146A-076E-8D4B-1F96-8205709E71BD}"/>
-          </ac:spMkLst>
-        </pc:spChg>
-        <pc:spChg chg="add del mod">
-          <ac:chgData name="Zhao Jin" userId="cd05a825-544c-438a-9ba1-08e63db50b47" providerId="ADAL" clId="{61919CEB-3F77-4E59-A7C9-58C9131C2CF5}" dt="2025-01-27T07:23:24.011" v="5" actId="478"/>
-          <ac:spMkLst>
-            <pc:docMk/>
-            <pc:sldMk cId="3082655292" sldId="575"/>
-            <ac:spMk id="7" creationId="{0B8D6B51-AF87-8D1E-C397-42D0E20DDF82}"/>
-          </ac:spMkLst>
-        </pc:spChg>
         <pc:spChg chg="add mod">
           <ac:chgData name="Zhao Jin" userId="cd05a825-544c-438a-9ba1-08e63db50b47" providerId="ADAL" clId="{61919CEB-3F77-4E59-A7C9-58C9131C2CF5}" dt="2025-01-27T07:26:59.364" v="261" actId="20577"/>
           <ac:spMkLst>
@@ -2804,22 +2315,6 @@
             <pc:docMk/>
             <pc:sldMk cId="3082655292" sldId="575"/>
             <ac:spMk id="9" creationId="{7B735FE2-51ED-3F7A-C539-BA0C600C9DFF}"/>
-          </ac:spMkLst>
-        </pc:spChg>
-        <pc:spChg chg="del">
-          <ac:chgData name="Zhao Jin" userId="cd05a825-544c-438a-9ba1-08e63db50b47" providerId="ADAL" clId="{61919CEB-3F77-4E59-A7C9-58C9131C2CF5}" dt="2025-01-27T07:23:20.911" v="3" actId="478"/>
-          <ac:spMkLst>
-            <pc:docMk/>
-            <pc:sldMk cId="3082655292" sldId="575"/>
-            <ac:spMk id="14338" creationId="{0900446F-865E-9016-3C81-3177082450A3}"/>
-          </ac:spMkLst>
-        </pc:spChg>
-        <pc:spChg chg="del">
-          <ac:chgData name="Zhao Jin" userId="cd05a825-544c-438a-9ba1-08e63db50b47" providerId="ADAL" clId="{61919CEB-3F77-4E59-A7C9-58C9131C2CF5}" dt="2025-01-27T07:23:19.138" v="2" actId="478"/>
-          <ac:spMkLst>
-            <pc:docMk/>
-            <pc:sldMk cId="3082655292" sldId="575"/>
-            <ac:spMk id="14339" creationId="{A8AC5DB7-BEAB-7E8A-3FF3-CE086B31247E}"/>
           </ac:spMkLst>
         </pc:spChg>
       </pc:sldChg>
@@ -2860,14 +2355,6 @@
           <pc:docMk/>
           <pc:sldMk cId="57886036" sldId="577"/>
         </pc:sldMkLst>
-        <pc:spChg chg="mod">
-          <ac:chgData name="Zhao Jin" userId="cd05a825-544c-438a-9ba1-08e63db50b47" providerId="ADAL" clId="{61919CEB-3F77-4E59-A7C9-58C9131C2CF5}" dt="2025-01-27T07:47:37.803" v="720"/>
-          <ac:spMkLst>
-            <pc:docMk/>
-            <pc:sldMk cId="57886036" sldId="577"/>
-            <ac:spMk id="14338" creationId="{8477668D-EBE7-1DBD-53E5-4CA3DB0BB639}"/>
-          </ac:spMkLst>
-        </pc:spChg>
       </pc:sldChg>
       <pc:sldChg chg="addSp delSp modSp add mod modAnim">
         <pc:chgData name="Zhao Jin" userId="cd05a825-544c-438a-9ba1-08e63db50b47" providerId="ADAL" clId="{61919CEB-3F77-4E59-A7C9-58C9131C2CF5}" dt="2025-01-27T08:04:07.587" v="1639" actId="207"/>
@@ -2915,14 +2402,6 @@
             <ac:spMk id="8" creationId="{6E25149E-66BD-5E85-E3ED-5AB76604CB24}"/>
           </ac:spMkLst>
         </pc:spChg>
-        <pc:spChg chg="del mod">
-          <ac:chgData name="Zhao Jin" userId="cd05a825-544c-438a-9ba1-08e63db50b47" providerId="ADAL" clId="{61919CEB-3F77-4E59-A7C9-58C9131C2CF5}" dt="2025-01-27T07:53:27.256" v="1112" actId="478"/>
-          <ac:spMkLst>
-            <pc:docMk/>
-            <pc:sldMk cId="1286924825" sldId="577"/>
-            <ac:spMk id="9" creationId="{A5A59096-6E8C-06A7-2753-E25C816B7EB9}"/>
-          </ac:spMkLst>
-        </pc:spChg>
         <pc:spChg chg="mod">
           <ac:chgData name="Zhao Jin" userId="cd05a825-544c-438a-9ba1-08e63db50b47" providerId="ADAL" clId="{61919CEB-3F77-4E59-A7C9-58C9131C2CF5}" dt="2025-01-27T07:53:01.642" v="1039"/>
           <ac:spMkLst>
@@ -2938,14 +2417,6 @@
           <pc:docMk/>
           <pc:sldMk cId="849085750" sldId="578"/>
         </pc:sldMkLst>
-        <pc:spChg chg="mod">
-          <ac:chgData name="Zhao Jin" userId="cd05a825-544c-438a-9ba1-08e63db50b47" providerId="ADAL" clId="{61919CEB-3F77-4E59-A7C9-58C9131C2CF5}" dt="2025-01-27T07:50:50.077" v="947" actId="20577"/>
-          <ac:spMkLst>
-            <pc:docMk/>
-            <pc:sldMk cId="849085750" sldId="578"/>
-            <ac:spMk id="10" creationId="{343DA818-2318-6D78-7000-BBBCD9E22FA3}"/>
-          </ac:spMkLst>
-        </pc:spChg>
       </pc:sldChg>
       <pc:sldChg chg="add">
         <pc:chgData name="Zhao Jin" userId="cd05a825-544c-438a-9ba1-08e63db50b47" providerId="ADAL" clId="{61919CEB-3F77-4E59-A7C9-58C9131C2CF5}" dt="2025-01-27T08:13:51.326" v="1879"/>
@@ -2968,28 +2439,12 @@
             <ac:spMk id="2" creationId="{DBE9C107-D2CB-7AF4-D69B-89FAA178C991}"/>
           </ac:spMkLst>
         </pc:spChg>
-        <pc:spChg chg="del">
-          <ac:chgData name="Zhao Jin" userId="cd05a825-544c-438a-9ba1-08e63db50b47" providerId="ADAL" clId="{61919CEB-3F77-4E59-A7C9-58C9131C2CF5}" dt="2025-01-27T08:16:33.047" v="2004" actId="478"/>
-          <ac:spMkLst>
-            <pc:docMk/>
-            <pc:sldMk cId="1059784215" sldId="579"/>
-            <ac:spMk id="3" creationId="{89DEBCFE-80F1-1CC3-1B3D-14957742D143}"/>
-          </ac:spMkLst>
-        </pc:spChg>
         <pc:spChg chg="mod">
           <ac:chgData name="Zhao Jin" userId="cd05a825-544c-438a-9ba1-08e63db50b47" providerId="ADAL" clId="{61919CEB-3F77-4E59-A7C9-58C9131C2CF5}" dt="2025-01-28T01:18:08.426" v="3665" actId="6549"/>
           <ac:spMkLst>
             <pc:docMk/>
             <pc:sldMk cId="1059784215" sldId="579"/>
             <ac:spMk id="8" creationId="{42E65DED-BA6E-7EE5-38D0-91F9E2314D1D}"/>
-          </ac:spMkLst>
-        </pc:spChg>
-        <pc:spChg chg="del">
-          <ac:chgData name="Zhao Jin" userId="cd05a825-544c-438a-9ba1-08e63db50b47" providerId="ADAL" clId="{61919CEB-3F77-4E59-A7C9-58C9131C2CF5}" dt="2025-01-27T08:16:31.171" v="2003" actId="478"/>
-          <ac:spMkLst>
-            <pc:docMk/>
-            <pc:sldMk cId="1059784215" sldId="579"/>
-            <ac:spMk id="22" creationId="{5F99F015-1AA2-238E-E540-BB7AE1681B83}"/>
           </ac:spMkLst>
         </pc:spChg>
       </pc:sldChg>
@@ -3005,14 +2460,6 @@
             <pc:docMk/>
             <pc:sldMk cId="2182756423" sldId="580"/>
             <ac:spMk id="4" creationId="{E70C6AEE-F4AF-BF42-18BC-20B625B1A65F}"/>
-          </ac:spMkLst>
-        </pc:spChg>
-        <pc:spChg chg="add del">
-          <ac:chgData name="Zhao Jin" userId="cd05a825-544c-438a-9ba1-08e63db50b47" providerId="ADAL" clId="{61919CEB-3F77-4E59-A7C9-58C9131C2CF5}" dt="2025-01-28T01:13:24.242" v="3415" actId="478"/>
-          <ac:spMkLst>
-            <pc:docMk/>
-            <pc:sldMk cId="2182756423" sldId="580"/>
-            <ac:spMk id="5" creationId="{808C7A6F-1AD2-62AD-CFAF-5DFB3775FF3A}"/>
           </ac:spMkLst>
         </pc:spChg>
         <pc:spChg chg="add mod">
@@ -3054,94 +2501,6 @@
           <pc:docMk/>
           <pc:sldMk cId="2378900168" sldId="580"/>
         </pc:sldMkLst>
-        <pc:spChg chg="add del">
-          <ac:chgData name="Zhao Jin" userId="cd05a825-544c-438a-9ba1-08e63db50b47" providerId="ADAL" clId="{61919CEB-3F77-4E59-A7C9-58C9131C2CF5}" dt="2025-01-27T08:23:57.405" v="2537" actId="478"/>
-          <ac:spMkLst>
-            <pc:docMk/>
-            <pc:sldMk cId="2378900168" sldId="580"/>
-            <ac:spMk id="7" creationId="{EE1B4961-0DD2-EA83-E047-1F923765DBB9}"/>
-          </ac:spMkLst>
-        </pc:spChg>
-        <pc:spChg chg="mod">
-          <ac:chgData name="Zhao Jin" userId="cd05a825-544c-438a-9ba1-08e63db50b47" providerId="ADAL" clId="{61919CEB-3F77-4E59-A7C9-58C9131C2CF5}" dt="2025-01-27T08:25:25.753" v="2688" actId="20577"/>
-          <ac:spMkLst>
-            <pc:docMk/>
-            <pc:sldMk cId="2378900168" sldId="580"/>
-            <ac:spMk id="8" creationId="{AE6E39BF-B196-71CE-A8F4-1654CEA11BAF}"/>
-          </ac:spMkLst>
-        </pc:spChg>
-        <pc:spChg chg="add del mod">
-          <ac:chgData name="Zhao Jin" userId="cd05a825-544c-438a-9ba1-08e63db50b47" providerId="ADAL" clId="{61919CEB-3F77-4E59-A7C9-58C9131C2CF5}" dt="2025-01-27T08:25:22.510" v="2687" actId="1076"/>
-          <ac:spMkLst>
-            <pc:docMk/>
-            <pc:sldMk cId="2378900168" sldId="580"/>
-            <ac:spMk id="9" creationId="{B80517FC-C977-C1F2-ED86-11E24ABED7F1}"/>
-          </ac:spMkLst>
-        </pc:spChg>
-        <pc:spChg chg="add del">
-          <ac:chgData name="Zhao Jin" userId="cd05a825-544c-438a-9ba1-08e63db50b47" providerId="ADAL" clId="{61919CEB-3F77-4E59-A7C9-58C9131C2CF5}" dt="2025-01-27T08:24:18.472" v="2593" actId="478"/>
-          <ac:spMkLst>
-            <pc:docMk/>
-            <pc:sldMk cId="2378900168" sldId="580"/>
-            <ac:spMk id="10" creationId="{7989F625-F831-E6EB-6614-60E65C955489}"/>
-          </ac:spMkLst>
-        </pc:spChg>
-        <pc:spChg chg="add del">
-          <ac:chgData name="Zhao Jin" userId="cd05a825-544c-438a-9ba1-08e63db50b47" providerId="ADAL" clId="{61919CEB-3F77-4E59-A7C9-58C9131C2CF5}" dt="2025-01-27T08:24:18.472" v="2593" actId="478"/>
-          <ac:spMkLst>
-            <pc:docMk/>
-            <pc:sldMk cId="2378900168" sldId="580"/>
-            <ac:spMk id="11" creationId="{FE78BE3A-3C92-74DB-0CEB-0132DF54B038}"/>
-          </ac:spMkLst>
-        </pc:spChg>
-        <pc:spChg chg="add del">
-          <ac:chgData name="Zhao Jin" userId="cd05a825-544c-438a-9ba1-08e63db50b47" providerId="ADAL" clId="{61919CEB-3F77-4E59-A7C9-58C9131C2CF5}" dt="2025-01-27T08:23:57.405" v="2537" actId="478"/>
-          <ac:spMkLst>
-            <pc:docMk/>
-            <pc:sldMk cId="2378900168" sldId="580"/>
-            <ac:spMk id="12" creationId="{077A9B9B-AE2F-2594-9C38-942DBBE904C9}"/>
-          </ac:spMkLst>
-        </pc:spChg>
-        <pc:spChg chg="add del">
-          <ac:chgData name="Zhao Jin" userId="cd05a825-544c-438a-9ba1-08e63db50b47" providerId="ADAL" clId="{61919CEB-3F77-4E59-A7C9-58C9131C2CF5}" dt="2025-01-27T08:23:57.405" v="2537" actId="478"/>
-          <ac:spMkLst>
-            <pc:docMk/>
-            <pc:sldMk cId="2378900168" sldId="580"/>
-            <ac:spMk id="13" creationId="{D3E33815-B313-D801-29CA-95D1540C7399}"/>
-          </ac:spMkLst>
-        </pc:spChg>
-        <pc:spChg chg="add del">
-          <ac:chgData name="Zhao Jin" userId="cd05a825-544c-438a-9ba1-08e63db50b47" providerId="ADAL" clId="{61919CEB-3F77-4E59-A7C9-58C9131C2CF5}" dt="2025-01-27T08:23:57.405" v="2537" actId="478"/>
-          <ac:spMkLst>
-            <pc:docMk/>
-            <pc:sldMk cId="2378900168" sldId="580"/>
-            <ac:spMk id="14" creationId="{B83D53CA-8AFC-0C90-932B-B4099E53B1D9}"/>
-          </ac:spMkLst>
-        </pc:spChg>
-        <pc:spChg chg="add del">
-          <ac:chgData name="Zhao Jin" userId="cd05a825-544c-438a-9ba1-08e63db50b47" providerId="ADAL" clId="{61919CEB-3F77-4E59-A7C9-58C9131C2CF5}" dt="2025-01-27T08:23:57.405" v="2537" actId="478"/>
-          <ac:spMkLst>
-            <pc:docMk/>
-            <pc:sldMk cId="2378900168" sldId="580"/>
-            <ac:spMk id="15" creationId="{352D947F-01EC-E571-22C6-1A4054CD88AA}"/>
-          </ac:spMkLst>
-        </pc:spChg>
-        <pc:spChg chg="del">
-          <ac:chgData name="Zhao Jin" userId="cd05a825-544c-438a-9ba1-08e63db50b47" providerId="ADAL" clId="{61919CEB-3F77-4E59-A7C9-58C9131C2CF5}" dt="2025-01-27T08:23:55.404" v="2536" actId="478"/>
-          <ac:spMkLst>
-            <pc:docMk/>
-            <pc:sldMk cId="2378900168" sldId="580"/>
-            <ac:spMk id="17" creationId="{51DD44F1-FB32-9065-0B50-10807752905D}"/>
-          </ac:spMkLst>
-        </pc:spChg>
-        <pc:spChg chg="del">
-          <ac:chgData name="Zhao Jin" userId="cd05a825-544c-438a-9ba1-08e63db50b47" providerId="ADAL" clId="{61919CEB-3F77-4E59-A7C9-58C9131C2CF5}" dt="2025-01-27T08:23:55.404" v="2536" actId="478"/>
-          <ac:spMkLst>
-            <pc:docMk/>
-            <pc:sldMk cId="2378900168" sldId="580"/>
-            <ac:spMk id="18" creationId="{831A1A49-9DDF-3E1E-A491-A0D536B3D0C5}"/>
-          </ac:spMkLst>
-        </pc:spChg>
       </pc:sldChg>
       <pc:sldChg chg="add del">
         <pc:chgData name="Zhao Jin" userId="cd05a825-544c-438a-9ba1-08e63db50b47" providerId="ADAL" clId="{61919CEB-3F77-4E59-A7C9-58C9131C2CF5}" dt="2025-01-28T01:13:01.554" v="3409"/>
@@ -3629,7 +2988,7 @@
               <a:pPr>
                 <a:defRPr/>
               </a:pPr>
-              <a:t>1/28/2025</a:t>
+              <a:t>2/24/2025</a:t>
             </a:fld>
             <a:endParaRPr lang="en-US" dirty="0"/>
           </a:p>
@@ -40907,7 +40266,15 @@
             </a:pPr>
             <a:r>
               <a:rPr lang="en-US" dirty="0"/>
-              <a:t>Must start with a letter, follow by any sequence of letters, digits, and underscores (invalid names: 2days, five/three)</a:t>
+              <a:t>Must start with a letter or </a:t>
+            </a:r>
+            <a:r>
+              <a:rPr lang="en-US"/>
+              <a:t>an underscore, followed </a:t>
+            </a:r>
+            <a:r>
+              <a:rPr lang="en-US" dirty="0"/>
+              <a:t>by any sequence of letters, digits, and underscores (invalid names: 2days, five/three)</a:t>
             </a:r>
           </a:p>
           <a:p>
